--- a/ppt 16-9/1079.惟主是亲人.pptx
+++ b/ppt 16-9/1079.惟主是亲人.pptx
@@ -129,7 +129,7 @@
           <p:cNvPr id="2" name="标题 1">
             <a:extLst>
               <a:ext uri="{FF2B5EF4-FFF2-40B4-BE49-F238E27FC236}">
-                <a16:creationId xmlns:a16="http://schemas.microsoft.com/office/drawing/2014/main" id="{6C912EC0-6736-97AE-C9C1-3440060C8FC7}"/>
+                <a16:creationId xmlns:a16="http://schemas.microsoft.com/office/drawing/2014/main" id="{2B81FD63-3728-8C27-C55B-4B00FA6D7426}"/>
               </a:ext>
             </a:extLst>
           </p:cNvPr>
@@ -166,7 +166,7 @@
           <p:cNvPr id="3" name="副标题 2">
             <a:extLst>
               <a:ext uri="{FF2B5EF4-FFF2-40B4-BE49-F238E27FC236}">
-                <a16:creationId xmlns:a16="http://schemas.microsoft.com/office/drawing/2014/main" id="{C8F8B450-5FA9-12C2-88DE-68DDE4BD71EA}"/>
+                <a16:creationId xmlns:a16="http://schemas.microsoft.com/office/drawing/2014/main" id="{4C60C998-6546-7F3E-DE61-737528B25D37}"/>
               </a:ext>
             </a:extLst>
           </p:cNvPr>
@@ -236,7 +236,7 @@
           <p:cNvPr id="4" name="日期占位符 3">
             <a:extLst>
               <a:ext uri="{FF2B5EF4-FFF2-40B4-BE49-F238E27FC236}">
-                <a16:creationId xmlns:a16="http://schemas.microsoft.com/office/drawing/2014/main" id="{22AC609E-D5C6-755C-CE30-30E5EF3444C3}"/>
+                <a16:creationId xmlns:a16="http://schemas.microsoft.com/office/drawing/2014/main" id="{F65DE247-FC77-9079-7BF5-DC46C9B83EAF}"/>
               </a:ext>
             </a:extLst>
           </p:cNvPr>
@@ -252,7 +252,7 @@
           <a:bodyPr/>
           <a:lstStyle/>
           <a:p>
-            <a:fld id="{6EDD2EA1-0AF0-452D-A00F-33753780B086}" type="datetimeFigureOut">
+            <a:fld id="{BEEADCD4-D659-42B0-AB54-4253B34D8BD0}" type="datetimeFigureOut">
               <a:rPr lang="zh-CN" altLang="en-US" smtClean="0"/>
               <a:t>2024/3/10</a:t>
             </a:fld>
@@ -265,7 +265,7 @@
           <p:cNvPr id="5" name="页脚占位符 4">
             <a:extLst>
               <a:ext uri="{FF2B5EF4-FFF2-40B4-BE49-F238E27FC236}">
-                <a16:creationId xmlns:a16="http://schemas.microsoft.com/office/drawing/2014/main" id="{B5C184A3-2A2F-A14C-516A-89320BE39B2A}"/>
+                <a16:creationId xmlns:a16="http://schemas.microsoft.com/office/drawing/2014/main" id="{03914BBE-8462-4C9F-F209-828BBBF7937C}"/>
               </a:ext>
             </a:extLst>
           </p:cNvPr>
@@ -290,7 +290,7 @@
           <p:cNvPr id="6" name="灯片编号占位符 5">
             <a:extLst>
               <a:ext uri="{FF2B5EF4-FFF2-40B4-BE49-F238E27FC236}">
-                <a16:creationId xmlns:a16="http://schemas.microsoft.com/office/drawing/2014/main" id="{912B6EDF-6D0C-DBF8-8263-6DB2F574870E}"/>
+                <a16:creationId xmlns:a16="http://schemas.microsoft.com/office/drawing/2014/main" id="{CC76FB83-7918-9BBB-3A13-CE14A65C6740}"/>
               </a:ext>
             </a:extLst>
           </p:cNvPr>
@@ -306,7 +306,7 @@
           <a:bodyPr/>
           <a:lstStyle/>
           <a:p>
-            <a:fld id="{D49A45E6-CC26-433D-9A61-B4ABAD70BB3A}" type="slidenum">
+            <a:fld id="{09A6310A-6911-4F04-8244-7F40BF7F60A2}" type="slidenum">
               <a:rPr lang="zh-CN" altLang="en-US" smtClean="0"/>
               <a:t>‹#›</a:t>
             </a:fld>
@@ -317,7 +317,7 @@
     </p:spTree>
     <p:extLst>
       <p:ext uri="{BB962C8B-B14F-4D97-AF65-F5344CB8AC3E}">
-        <p14:creationId xmlns:p14="http://schemas.microsoft.com/office/powerpoint/2010/main" val="291517904"/>
+        <p14:creationId xmlns:p14="http://schemas.microsoft.com/office/powerpoint/2010/main" val="3944270499"/>
       </p:ext>
     </p:extLst>
   </p:cSld>
@@ -349,7 +349,7 @@
           <p:cNvPr id="2" name="标题 1">
             <a:extLst>
               <a:ext uri="{FF2B5EF4-FFF2-40B4-BE49-F238E27FC236}">
-                <a16:creationId xmlns:a16="http://schemas.microsoft.com/office/drawing/2014/main" id="{39D8D89C-91FA-4C9C-85EE-EA3F372D9450}"/>
+                <a16:creationId xmlns:a16="http://schemas.microsoft.com/office/drawing/2014/main" id="{4AA7102C-9DC4-72FC-475F-DDEB3208F923}"/>
               </a:ext>
             </a:extLst>
           </p:cNvPr>
@@ -377,7 +377,7 @@
           <p:cNvPr id="3" name="竖排文字占位符 2">
             <a:extLst>
               <a:ext uri="{FF2B5EF4-FFF2-40B4-BE49-F238E27FC236}">
-                <a16:creationId xmlns:a16="http://schemas.microsoft.com/office/drawing/2014/main" id="{0F0A6FF6-FBEE-2611-EAFA-8AAA35CD0517}"/>
+                <a16:creationId xmlns:a16="http://schemas.microsoft.com/office/drawing/2014/main" id="{4F5BD495-F2F6-EA2B-D4D4-C2172ED42AD6}"/>
               </a:ext>
             </a:extLst>
           </p:cNvPr>
@@ -434,7 +434,7 @@
           <p:cNvPr id="4" name="日期占位符 3">
             <a:extLst>
               <a:ext uri="{FF2B5EF4-FFF2-40B4-BE49-F238E27FC236}">
-                <a16:creationId xmlns:a16="http://schemas.microsoft.com/office/drawing/2014/main" id="{DD4C8CAF-A1B3-26E6-3BAD-F6A97E98A942}"/>
+                <a16:creationId xmlns:a16="http://schemas.microsoft.com/office/drawing/2014/main" id="{9A14BE52-FB17-C061-85D4-A37B906C147C}"/>
               </a:ext>
             </a:extLst>
           </p:cNvPr>
@@ -450,7 +450,7 @@
           <a:bodyPr/>
           <a:lstStyle/>
           <a:p>
-            <a:fld id="{6EDD2EA1-0AF0-452D-A00F-33753780B086}" type="datetimeFigureOut">
+            <a:fld id="{BEEADCD4-D659-42B0-AB54-4253B34D8BD0}" type="datetimeFigureOut">
               <a:rPr lang="zh-CN" altLang="en-US" smtClean="0"/>
               <a:t>2024/3/10</a:t>
             </a:fld>
@@ -463,7 +463,7 @@
           <p:cNvPr id="5" name="页脚占位符 4">
             <a:extLst>
               <a:ext uri="{FF2B5EF4-FFF2-40B4-BE49-F238E27FC236}">
-                <a16:creationId xmlns:a16="http://schemas.microsoft.com/office/drawing/2014/main" id="{6817269C-FDAD-48F2-F686-C04D1A708BCD}"/>
+                <a16:creationId xmlns:a16="http://schemas.microsoft.com/office/drawing/2014/main" id="{80782530-FED1-843A-7367-BFDBEB53DAC1}"/>
               </a:ext>
             </a:extLst>
           </p:cNvPr>
@@ -488,7 +488,7 @@
           <p:cNvPr id="6" name="灯片编号占位符 5">
             <a:extLst>
               <a:ext uri="{FF2B5EF4-FFF2-40B4-BE49-F238E27FC236}">
-                <a16:creationId xmlns:a16="http://schemas.microsoft.com/office/drawing/2014/main" id="{362A685B-858A-01E1-8031-9D9B5DD3F411}"/>
+                <a16:creationId xmlns:a16="http://schemas.microsoft.com/office/drawing/2014/main" id="{90F9BA6B-3290-A5F5-9C1C-4C7E2A582EA9}"/>
               </a:ext>
             </a:extLst>
           </p:cNvPr>
@@ -504,7 +504,7 @@
           <a:bodyPr/>
           <a:lstStyle/>
           <a:p>
-            <a:fld id="{D49A45E6-CC26-433D-9A61-B4ABAD70BB3A}" type="slidenum">
+            <a:fld id="{09A6310A-6911-4F04-8244-7F40BF7F60A2}" type="slidenum">
               <a:rPr lang="zh-CN" altLang="en-US" smtClean="0"/>
               <a:t>‹#›</a:t>
             </a:fld>
@@ -515,7 +515,7 @@
     </p:spTree>
     <p:extLst>
       <p:ext uri="{BB962C8B-B14F-4D97-AF65-F5344CB8AC3E}">
-        <p14:creationId xmlns:p14="http://schemas.microsoft.com/office/powerpoint/2010/main" val="2459270894"/>
+        <p14:creationId xmlns:p14="http://schemas.microsoft.com/office/powerpoint/2010/main" val="1419759515"/>
       </p:ext>
     </p:extLst>
   </p:cSld>
@@ -547,7 +547,7 @@
           <p:cNvPr id="2" name="竖排标题 1">
             <a:extLst>
               <a:ext uri="{FF2B5EF4-FFF2-40B4-BE49-F238E27FC236}">
-                <a16:creationId xmlns:a16="http://schemas.microsoft.com/office/drawing/2014/main" id="{B8BF7012-CCE8-41DE-8117-34FAF2090423}"/>
+                <a16:creationId xmlns:a16="http://schemas.microsoft.com/office/drawing/2014/main" id="{02034BE9-859F-AB63-9229-B823881CB2DE}"/>
               </a:ext>
             </a:extLst>
           </p:cNvPr>
@@ -580,7 +580,7 @@
           <p:cNvPr id="3" name="竖排文字占位符 2">
             <a:extLst>
               <a:ext uri="{FF2B5EF4-FFF2-40B4-BE49-F238E27FC236}">
-                <a16:creationId xmlns:a16="http://schemas.microsoft.com/office/drawing/2014/main" id="{A0A54475-542D-0DA8-A197-34C67159792C}"/>
+                <a16:creationId xmlns:a16="http://schemas.microsoft.com/office/drawing/2014/main" id="{167B3345-0E57-87E8-E904-D450BCCC5FBD}"/>
               </a:ext>
             </a:extLst>
           </p:cNvPr>
@@ -642,7 +642,7 @@
           <p:cNvPr id="4" name="日期占位符 3">
             <a:extLst>
               <a:ext uri="{FF2B5EF4-FFF2-40B4-BE49-F238E27FC236}">
-                <a16:creationId xmlns:a16="http://schemas.microsoft.com/office/drawing/2014/main" id="{B21EB209-215E-4F95-A4DA-03B168477599}"/>
+                <a16:creationId xmlns:a16="http://schemas.microsoft.com/office/drawing/2014/main" id="{575628CC-0C34-8D69-EA36-EF3200353D37}"/>
               </a:ext>
             </a:extLst>
           </p:cNvPr>
@@ -658,7 +658,7 @@
           <a:bodyPr/>
           <a:lstStyle/>
           <a:p>
-            <a:fld id="{6EDD2EA1-0AF0-452D-A00F-33753780B086}" type="datetimeFigureOut">
+            <a:fld id="{BEEADCD4-D659-42B0-AB54-4253B34D8BD0}" type="datetimeFigureOut">
               <a:rPr lang="zh-CN" altLang="en-US" smtClean="0"/>
               <a:t>2024/3/10</a:t>
             </a:fld>
@@ -671,7 +671,7 @@
           <p:cNvPr id="5" name="页脚占位符 4">
             <a:extLst>
               <a:ext uri="{FF2B5EF4-FFF2-40B4-BE49-F238E27FC236}">
-                <a16:creationId xmlns:a16="http://schemas.microsoft.com/office/drawing/2014/main" id="{40209AA1-E02C-C50F-ECBD-87C46EDB5002}"/>
+                <a16:creationId xmlns:a16="http://schemas.microsoft.com/office/drawing/2014/main" id="{43EBBC1C-CE82-C1A8-52B5-6AA102633EFD}"/>
               </a:ext>
             </a:extLst>
           </p:cNvPr>
@@ -696,7 +696,7 @@
           <p:cNvPr id="6" name="灯片编号占位符 5">
             <a:extLst>
               <a:ext uri="{FF2B5EF4-FFF2-40B4-BE49-F238E27FC236}">
-                <a16:creationId xmlns:a16="http://schemas.microsoft.com/office/drawing/2014/main" id="{57EC969A-599B-10F0-3493-F5D81D9A1C46}"/>
+                <a16:creationId xmlns:a16="http://schemas.microsoft.com/office/drawing/2014/main" id="{48067BBE-24E9-95AC-3E2B-BCE26712A647}"/>
               </a:ext>
             </a:extLst>
           </p:cNvPr>
@@ -712,7 +712,7 @@
           <a:bodyPr/>
           <a:lstStyle/>
           <a:p>
-            <a:fld id="{D49A45E6-CC26-433D-9A61-B4ABAD70BB3A}" type="slidenum">
+            <a:fld id="{09A6310A-6911-4F04-8244-7F40BF7F60A2}" type="slidenum">
               <a:rPr lang="zh-CN" altLang="en-US" smtClean="0"/>
               <a:t>‹#›</a:t>
             </a:fld>
@@ -723,7 +723,7 @@
     </p:spTree>
     <p:extLst>
       <p:ext uri="{BB962C8B-B14F-4D97-AF65-F5344CB8AC3E}">
-        <p14:creationId xmlns:p14="http://schemas.microsoft.com/office/powerpoint/2010/main" val="3337953375"/>
+        <p14:creationId xmlns:p14="http://schemas.microsoft.com/office/powerpoint/2010/main" val="572643367"/>
       </p:ext>
     </p:extLst>
   </p:cSld>
@@ -755,7 +755,7 @@
           <p:cNvPr id="2" name="标题 1">
             <a:extLst>
               <a:ext uri="{FF2B5EF4-FFF2-40B4-BE49-F238E27FC236}">
-                <a16:creationId xmlns:a16="http://schemas.microsoft.com/office/drawing/2014/main" id="{951E5227-0D60-BEA4-4688-4D8E0E0DAE71}"/>
+                <a16:creationId xmlns:a16="http://schemas.microsoft.com/office/drawing/2014/main" id="{6D7240A8-DDFC-D6D1-B816-76CB9E39592E}"/>
               </a:ext>
             </a:extLst>
           </p:cNvPr>
@@ -783,7 +783,7 @@
           <p:cNvPr id="3" name="内容占位符 2">
             <a:extLst>
               <a:ext uri="{FF2B5EF4-FFF2-40B4-BE49-F238E27FC236}">
-                <a16:creationId xmlns:a16="http://schemas.microsoft.com/office/drawing/2014/main" id="{5BF461FD-B789-CE41-710B-CF9A9D2851C3}"/>
+                <a16:creationId xmlns:a16="http://schemas.microsoft.com/office/drawing/2014/main" id="{E9DC4945-C1E5-4529-57E0-3D76F6957A23}"/>
               </a:ext>
             </a:extLst>
           </p:cNvPr>
@@ -840,7 +840,7 @@
           <p:cNvPr id="4" name="日期占位符 3">
             <a:extLst>
               <a:ext uri="{FF2B5EF4-FFF2-40B4-BE49-F238E27FC236}">
-                <a16:creationId xmlns:a16="http://schemas.microsoft.com/office/drawing/2014/main" id="{0DCBE954-24E7-556E-90AB-20A001C01CB1}"/>
+                <a16:creationId xmlns:a16="http://schemas.microsoft.com/office/drawing/2014/main" id="{54AF81AC-D064-D28E-245C-7A50212B63FE}"/>
               </a:ext>
             </a:extLst>
           </p:cNvPr>
@@ -856,7 +856,7 @@
           <a:bodyPr/>
           <a:lstStyle/>
           <a:p>
-            <a:fld id="{6EDD2EA1-0AF0-452D-A00F-33753780B086}" type="datetimeFigureOut">
+            <a:fld id="{BEEADCD4-D659-42B0-AB54-4253B34D8BD0}" type="datetimeFigureOut">
               <a:rPr lang="zh-CN" altLang="en-US" smtClean="0"/>
               <a:t>2024/3/10</a:t>
             </a:fld>
@@ -869,7 +869,7 @@
           <p:cNvPr id="5" name="页脚占位符 4">
             <a:extLst>
               <a:ext uri="{FF2B5EF4-FFF2-40B4-BE49-F238E27FC236}">
-                <a16:creationId xmlns:a16="http://schemas.microsoft.com/office/drawing/2014/main" id="{5E4EAF2C-531B-7562-5007-EBAC8E218C20}"/>
+                <a16:creationId xmlns:a16="http://schemas.microsoft.com/office/drawing/2014/main" id="{93E86551-A549-461B-0FEB-EC43DC9D1385}"/>
               </a:ext>
             </a:extLst>
           </p:cNvPr>
@@ -894,7 +894,7 @@
           <p:cNvPr id="6" name="灯片编号占位符 5">
             <a:extLst>
               <a:ext uri="{FF2B5EF4-FFF2-40B4-BE49-F238E27FC236}">
-                <a16:creationId xmlns:a16="http://schemas.microsoft.com/office/drawing/2014/main" id="{10280774-19C3-5BD2-CF49-8A4AA62EFE25}"/>
+                <a16:creationId xmlns:a16="http://schemas.microsoft.com/office/drawing/2014/main" id="{86B67261-B40A-DDAE-14FF-5421C48F7580}"/>
               </a:ext>
             </a:extLst>
           </p:cNvPr>
@@ -910,7 +910,7 @@
           <a:bodyPr/>
           <a:lstStyle/>
           <a:p>
-            <a:fld id="{D49A45E6-CC26-433D-9A61-B4ABAD70BB3A}" type="slidenum">
+            <a:fld id="{09A6310A-6911-4F04-8244-7F40BF7F60A2}" type="slidenum">
               <a:rPr lang="zh-CN" altLang="en-US" smtClean="0"/>
               <a:t>‹#›</a:t>
             </a:fld>
@@ -921,7 +921,7 @@
     </p:spTree>
     <p:extLst>
       <p:ext uri="{BB962C8B-B14F-4D97-AF65-F5344CB8AC3E}">
-        <p14:creationId xmlns:p14="http://schemas.microsoft.com/office/powerpoint/2010/main" val="2498999377"/>
+        <p14:creationId xmlns:p14="http://schemas.microsoft.com/office/powerpoint/2010/main" val="2808617913"/>
       </p:ext>
     </p:extLst>
   </p:cSld>
@@ -953,7 +953,7 @@
           <p:cNvPr id="2" name="标题 1">
             <a:extLst>
               <a:ext uri="{FF2B5EF4-FFF2-40B4-BE49-F238E27FC236}">
-                <a16:creationId xmlns:a16="http://schemas.microsoft.com/office/drawing/2014/main" id="{975D373A-A7C8-FED9-82A0-CC0B77C4F224}"/>
+                <a16:creationId xmlns:a16="http://schemas.microsoft.com/office/drawing/2014/main" id="{1FBE45A6-8D73-3B4B-AA13-535D9FD4C9CE}"/>
               </a:ext>
             </a:extLst>
           </p:cNvPr>
@@ -990,7 +990,7 @@
           <p:cNvPr id="3" name="文本占位符 2">
             <a:extLst>
               <a:ext uri="{FF2B5EF4-FFF2-40B4-BE49-F238E27FC236}">
-                <a16:creationId xmlns:a16="http://schemas.microsoft.com/office/drawing/2014/main" id="{9FE9E413-AB78-F409-0AF7-5698CEB6C06A}"/>
+                <a16:creationId xmlns:a16="http://schemas.microsoft.com/office/drawing/2014/main" id="{1559D248-1B3F-9742-F997-C3BE3B3DDF52}"/>
               </a:ext>
             </a:extLst>
           </p:cNvPr>
@@ -1115,7 +1115,7 @@
           <p:cNvPr id="4" name="日期占位符 3">
             <a:extLst>
               <a:ext uri="{FF2B5EF4-FFF2-40B4-BE49-F238E27FC236}">
-                <a16:creationId xmlns:a16="http://schemas.microsoft.com/office/drawing/2014/main" id="{17A8786F-9B43-46E7-F598-5537F5E850EB}"/>
+                <a16:creationId xmlns:a16="http://schemas.microsoft.com/office/drawing/2014/main" id="{22941062-95CA-F81C-3A05-07C630D66863}"/>
               </a:ext>
             </a:extLst>
           </p:cNvPr>
@@ -1131,7 +1131,7 @@
           <a:bodyPr/>
           <a:lstStyle/>
           <a:p>
-            <a:fld id="{6EDD2EA1-0AF0-452D-A00F-33753780B086}" type="datetimeFigureOut">
+            <a:fld id="{BEEADCD4-D659-42B0-AB54-4253B34D8BD0}" type="datetimeFigureOut">
               <a:rPr lang="zh-CN" altLang="en-US" smtClean="0"/>
               <a:t>2024/3/10</a:t>
             </a:fld>
@@ -1144,7 +1144,7 @@
           <p:cNvPr id="5" name="页脚占位符 4">
             <a:extLst>
               <a:ext uri="{FF2B5EF4-FFF2-40B4-BE49-F238E27FC236}">
-                <a16:creationId xmlns:a16="http://schemas.microsoft.com/office/drawing/2014/main" id="{DAB97314-56CC-4A58-1F95-1D499C2694E0}"/>
+                <a16:creationId xmlns:a16="http://schemas.microsoft.com/office/drawing/2014/main" id="{8FCB2E55-C50E-552D-0C69-43C49630ADBE}"/>
               </a:ext>
             </a:extLst>
           </p:cNvPr>
@@ -1169,7 +1169,7 @@
           <p:cNvPr id="6" name="灯片编号占位符 5">
             <a:extLst>
               <a:ext uri="{FF2B5EF4-FFF2-40B4-BE49-F238E27FC236}">
-                <a16:creationId xmlns:a16="http://schemas.microsoft.com/office/drawing/2014/main" id="{C5BB959C-0236-DAC6-25F9-035A66408BC3}"/>
+                <a16:creationId xmlns:a16="http://schemas.microsoft.com/office/drawing/2014/main" id="{EB2BD01F-062E-0B49-8543-785605D32D93}"/>
               </a:ext>
             </a:extLst>
           </p:cNvPr>
@@ -1185,7 +1185,7 @@
           <a:bodyPr/>
           <a:lstStyle/>
           <a:p>
-            <a:fld id="{D49A45E6-CC26-433D-9A61-B4ABAD70BB3A}" type="slidenum">
+            <a:fld id="{09A6310A-6911-4F04-8244-7F40BF7F60A2}" type="slidenum">
               <a:rPr lang="zh-CN" altLang="en-US" smtClean="0"/>
               <a:t>‹#›</a:t>
             </a:fld>
@@ -1196,7 +1196,7 @@
     </p:spTree>
     <p:extLst>
       <p:ext uri="{BB962C8B-B14F-4D97-AF65-F5344CB8AC3E}">
-        <p14:creationId xmlns:p14="http://schemas.microsoft.com/office/powerpoint/2010/main" val="3664479408"/>
+        <p14:creationId xmlns:p14="http://schemas.microsoft.com/office/powerpoint/2010/main" val="3927598559"/>
       </p:ext>
     </p:extLst>
   </p:cSld>
@@ -1228,7 +1228,7 @@
           <p:cNvPr id="2" name="标题 1">
             <a:extLst>
               <a:ext uri="{FF2B5EF4-FFF2-40B4-BE49-F238E27FC236}">
-                <a16:creationId xmlns:a16="http://schemas.microsoft.com/office/drawing/2014/main" id="{CB1545FA-8963-5B7F-9D6E-C0F687B20EF1}"/>
+                <a16:creationId xmlns:a16="http://schemas.microsoft.com/office/drawing/2014/main" id="{FF7036B6-1F9E-6202-FDC4-0D3EA710023E}"/>
               </a:ext>
             </a:extLst>
           </p:cNvPr>
@@ -1256,7 +1256,7 @@
           <p:cNvPr id="3" name="内容占位符 2">
             <a:extLst>
               <a:ext uri="{FF2B5EF4-FFF2-40B4-BE49-F238E27FC236}">
-                <a16:creationId xmlns:a16="http://schemas.microsoft.com/office/drawing/2014/main" id="{B4E067B3-233A-10EF-9266-28B25A268403}"/>
+                <a16:creationId xmlns:a16="http://schemas.microsoft.com/office/drawing/2014/main" id="{DD91B2DA-E823-3F75-6F40-20B644CA2E58}"/>
               </a:ext>
             </a:extLst>
           </p:cNvPr>
@@ -1318,7 +1318,7 @@
           <p:cNvPr id="4" name="内容占位符 3">
             <a:extLst>
               <a:ext uri="{FF2B5EF4-FFF2-40B4-BE49-F238E27FC236}">
-                <a16:creationId xmlns:a16="http://schemas.microsoft.com/office/drawing/2014/main" id="{890EEA7F-E75E-CBC3-D11B-EE02E317233B}"/>
+                <a16:creationId xmlns:a16="http://schemas.microsoft.com/office/drawing/2014/main" id="{2094B231-2400-7F79-225F-FBBED34FF6C3}"/>
               </a:ext>
             </a:extLst>
           </p:cNvPr>
@@ -1380,7 +1380,7 @@
           <p:cNvPr id="5" name="日期占位符 4">
             <a:extLst>
               <a:ext uri="{FF2B5EF4-FFF2-40B4-BE49-F238E27FC236}">
-                <a16:creationId xmlns:a16="http://schemas.microsoft.com/office/drawing/2014/main" id="{56F9DADD-DDBA-C716-2595-9AC62985CA9E}"/>
+                <a16:creationId xmlns:a16="http://schemas.microsoft.com/office/drawing/2014/main" id="{2920D189-B55A-B055-69B6-ABE15EECF200}"/>
               </a:ext>
             </a:extLst>
           </p:cNvPr>
@@ -1396,7 +1396,7 @@
           <a:bodyPr/>
           <a:lstStyle/>
           <a:p>
-            <a:fld id="{6EDD2EA1-0AF0-452D-A00F-33753780B086}" type="datetimeFigureOut">
+            <a:fld id="{BEEADCD4-D659-42B0-AB54-4253B34D8BD0}" type="datetimeFigureOut">
               <a:rPr lang="zh-CN" altLang="en-US" smtClean="0"/>
               <a:t>2024/3/10</a:t>
             </a:fld>
@@ -1409,7 +1409,7 @@
           <p:cNvPr id="6" name="页脚占位符 5">
             <a:extLst>
               <a:ext uri="{FF2B5EF4-FFF2-40B4-BE49-F238E27FC236}">
-                <a16:creationId xmlns:a16="http://schemas.microsoft.com/office/drawing/2014/main" id="{BC0BCA1F-C5D2-3524-474E-C58E1E498EFE}"/>
+                <a16:creationId xmlns:a16="http://schemas.microsoft.com/office/drawing/2014/main" id="{99A04221-332F-6435-986A-0F061CC5987A}"/>
               </a:ext>
             </a:extLst>
           </p:cNvPr>
@@ -1434,7 +1434,7 @@
           <p:cNvPr id="7" name="灯片编号占位符 6">
             <a:extLst>
               <a:ext uri="{FF2B5EF4-FFF2-40B4-BE49-F238E27FC236}">
-                <a16:creationId xmlns:a16="http://schemas.microsoft.com/office/drawing/2014/main" id="{1DAB2D6B-69D1-1047-6E05-E16ED0635BBF}"/>
+                <a16:creationId xmlns:a16="http://schemas.microsoft.com/office/drawing/2014/main" id="{75DDEE7F-3247-17FD-4311-DB1D76E161C6}"/>
               </a:ext>
             </a:extLst>
           </p:cNvPr>
@@ -1450,7 +1450,7 @@
           <a:bodyPr/>
           <a:lstStyle/>
           <a:p>
-            <a:fld id="{D49A45E6-CC26-433D-9A61-B4ABAD70BB3A}" type="slidenum">
+            <a:fld id="{09A6310A-6911-4F04-8244-7F40BF7F60A2}" type="slidenum">
               <a:rPr lang="zh-CN" altLang="en-US" smtClean="0"/>
               <a:t>‹#›</a:t>
             </a:fld>
@@ -1461,7 +1461,7 @@
     </p:spTree>
     <p:extLst>
       <p:ext uri="{BB962C8B-B14F-4D97-AF65-F5344CB8AC3E}">
-        <p14:creationId xmlns:p14="http://schemas.microsoft.com/office/powerpoint/2010/main" val="94724436"/>
+        <p14:creationId xmlns:p14="http://schemas.microsoft.com/office/powerpoint/2010/main" val="3793556460"/>
       </p:ext>
     </p:extLst>
   </p:cSld>
@@ -1493,7 +1493,7 @@
           <p:cNvPr id="2" name="标题 1">
             <a:extLst>
               <a:ext uri="{FF2B5EF4-FFF2-40B4-BE49-F238E27FC236}">
-                <a16:creationId xmlns:a16="http://schemas.microsoft.com/office/drawing/2014/main" id="{E6F6CE99-D78C-0234-B62D-99871B29F1A0}"/>
+                <a16:creationId xmlns:a16="http://schemas.microsoft.com/office/drawing/2014/main" id="{604B77E7-A686-ED50-CCFF-6AA96FB918C0}"/>
               </a:ext>
             </a:extLst>
           </p:cNvPr>
@@ -1526,7 +1526,7 @@
           <p:cNvPr id="3" name="文本占位符 2">
             <a:extLst>
               <a:ext uri="{FF2B5EF4-FFF2-40B4-BE49-F238E27FC236}">
-                <a16:creationId xmlns:a16="http://schemas.microsoft.com/office/drawing/2014/main" id="{79F9505B-ED13-3BBB-C4E2-255D6EC2F0AA}"/>
+                <a16:creationId xmlns:a16="http://schemas.microsoft.com/office/drawing/2014/main" id="{6C483B12-5BC3-D0FD-AA6C-BB2D1ABFCFB1}"/>
               </a:ext>
             </a:extLst>
           </p:cNvPr>
@@ -1597,7 +1597,7 @@
           <p:cNvPr id="4" name="内容占位符 3">
             <a:extLst>
               <a:ext uri="{FF2B5EF4-FFF2-40B4-BE49-F238E27FC236}">
-                <a16:creationId xmlns:a16="http://schemas.microsoft.com/office/drawing/2014/main" id="{5444C5E7-3445-308D-3304-30E25413A488}"/>
+                <a16:creationId xmlns:a16="http://schemas.microsoft.com/office/drawing/2014/main" id="{62ED3A63-AC64-D878-392D-E0B72DAB6241}"/>
               </a:ext>
             </a:extLst>
           </p:cNvPr>
@@ -1659,7 +1659,7 @@
           <p:cNvPr id="5" name="文本占位符 4">
             <a:extLst>
               <a:ext uri="{FF2B5EF4-FFF2-40B4-BE49-F238E27FC236}">
-                <a16:creationId xmlns:a16="http://schemas.microsoft.com/office/drawing/2014/main" id="{75A3AD17-5616-1B02-1447-F2F6531537A8}"/>
+                <a16:creationId xmlns:a16="http://schemas.microsoft.com/office/drawing/2014/main" id="{A0135F52-E4CF-E9F4-6762-FF7A738548F5}"/>
               </a:ext>
             </a:extLst>
           </p:cNvPr>
@@ -1730,7 +1730,7 @@
           <p:cNvPr id="6" name="内容占位符 5">
             <a:extLst>
               <a:ext uri="{FF2B5EF4-FFF2-40B4-BE49-F238E27FC236}">
-                <a16:creationId xmlns:a16="http://schemas.microsoft.com/office/drawing/2014/main" id="{0262DE5F-B60C-BE99-30E1-E485C0E373EA}"/>
+                <a16:creationId xmlns:a16="http://schemas.microsoft.com/office/drawing/2014/main" id="{888446D6-F7D7-CFDB-D662-9CBDBCD8B855}"/>
               </a:ext>
             </a:extLst>
           </p:cNvPr>
@@ -1792,7 +1792,7 @@
           <p:cNvPr id="7" name="日期占位符 6">
             <a:extLst>
               <a:ext uri="{FF2B5EF4-FFF2-40B4-BE49-F238E27FC236}">
-                <a16:creationId xmlns:a16="http://schemas.microsoft.com/office/drawing/2014/main" id="{0048E6BA-9618-25A6-F7E4-2BEF62ABF3EF}"/>
+                <a16:creationId xmlns:a16="http://schemas.microsoft.com/office/drawing/2014/main" id="{525A8C5D-794F-9F64-964A-DBEFDF59D94B}"/>
               </a:ext>
             </a:extLst>
           </p:cNvPr>
@@ -1808,7 +1808,7 @@
           <a:bodyPr/>
           <a:lstStyle/>
           <a:p>
-            <a:fld id="{6EDD2EA1-0AF0-452D-A00F-33753780B086}" type="datetimeFigureOut">
+            <a:fld id="{BEEADCD4-D659-42B0-AB54-4253B34D8BD0}" type="datetimeFigureOut">
               <a:rPr lang="zh-CN" altLang="en-US" smtClean="0"/>
               <a:t>2024/3/10</a:t>
             </a:fld>
@@ -1821,7 +1821,7 @@
           <p:cNvPr id="8" name="页脚占位符 7">
             <a:extLst>
               <a:ext uri="{FF2B5EF4-FFF2-40B4-BE49-F238E27FC236}">
-                <a16:creationId xmlns:a16="http://schemas.microsoft.com/office/drawing/2014/main" id="{9EFF0765-009C-79A8-6630-1A6BBA36AE3B}"/>
+                <a16:creationId xmlns:a16="http://schemas.microsoft.com/office/drawing/2014/main" id="{4C06B18B-3871-6D42-94DD-B92A65D1CAAA}"/>
               </a:ext>
             </a:extLst>
           </p:cNvPr>
@@ -1846,7 +1846,7 @@
           <p:cNvPr id="9" name="灯片编号占位符 8">
             <a:extLst>
               <a:ext uri="{FF2B5EF4-FFF2-40B4-BE49-F238E27FC236}">
-                <a16:creationId xmlns:a16="http://schemas.microsoft.com/office/drawing/2014/main" id="{97DB4F9B-A40F-B349-1293-8A11D6EF26A8}"/>
+                <a16:creationId xmlns:a16="http://schemas.microsoft.com/office/drawing/2014/main" id="{5FE031C4-35EE-8DC0-0A96-D25B2EA2CEED}"/>
               </a:ext>
             </a:extLst>
           </p:cNvPr>
@@ -1862,7 +1862,7 @@
           <a:bodyPr/>
           <a:lstStyle/>
           <a:p>
-            <a:fld id="{D49A45E6-CC26-433D-9A61-B4ABAD70BB3A}" type="slidenum">
+            <a:fld id="{09A6310A-6911-4F04-8244-7F40BF7F60A2}" type="slidenum">
               <a:rPr lang="zh-CN" altLang="en-US" smtClean="0"/>
               <a:t>‹#›</a:t>
             </a:fld>
@@ -1873,7 +1873,7 @@
     </p:spTree>
     <p:extLst>
       <p:ext uri="{BB962C8B-B14F-4D97-AF65-F5344CB8AC3E}">
-        <p14:creationId xmlns:p14="http://schemas.microsoft.com/office/powerpoint/2010/main" val="2879014722"/>
+        <p14:creationId xmlns:p14="http://schemas.microsoft.com/office/powerpoint/2010/main" val="2200048773"/>
       </p:ext>
     </p:extLst>
   </p:cSld>
@@ -1905,7 +1905,7 @@
           <p:cNvPr id="2" name="标题 1">
             <a:extLst>
               <a:ext uri="{FF2B5EF4-FFF2-40B4-BE49-F238E27FC236}">
-                <a16:creationId xmlns:a16="http://schemas.microsoft.com/office/drawing/2014/main" id="{B5A42CEF-4E16-622D-E6C0-BC41A133BF0C}"/>
+                <a16:creationId xmlns:a16="http://schemas.microsoft.com/office/drawing/2014/main" id="{D59A7C16-D667-8688-E13B-1A274B80FE3A}"/>
               </a:ext>
             </a:extLst>
           </p:cNvPr>
@@ -1933,7 +1933,7 @@
           <p:cNvPr id="3" name="日期占位符 2">
             <a:extLst>
               <a:ext uri="{FF2B5EF4-FFF2-40B4-BE49-F238E27FC236}">
-                <a16:creationId xmlns:a16="http://schemas.microsoft.com/office/drawing/2014/main" id="{A0701728-4B47-EE8F-8750-03643EAA9C86}"/>
+                <a16:creationId xmlns:a16="http://schemas.microsoft.com/office/drawing/2014/main" id="{6D77E70D-82D9-A929-2D7B-535B7D0F4DBD}"/>
               </a:ext>
             </a:extLst>
           </p:cNvPr>
@@ -1949,7 +1949,7 @@
           <a:bodyPr/>
           <a:lstStyle/>
           <a:p>
-            <a:fld id="{6EDD2EA1-0AF0-452D-A00F-33753780B086}" type="datetimeFigureOut">
+            <a:fld id="{BEEADCD4-D659-42B0-AB54-4253B34D8BD0}" type="datetimeFigureOut">
               <a:rPr lang="zh-CN" altLang="en-US" smtClean="0"/>
               <a:t>2024/3/10</a:t>
             </a:fld>
@@ -1962,7 +1962,7 @@
           <p:cNvPr id="4" name="页脚占位符 3">
             <a:extLst>
               <a:ext uri="{FF2B5EF4-FFF2-40B4-BE49-F238E27FC236}">
-                <a16:creationId xmlns:a16="http://schemas.microsoft.com/office/drawing/2014/main" id="{2F7B739E-1893-FBCB-C410-AC0C2B351396}"/>
+                <a16:creationId xmlns:a16="http://schemas.microsoft.com/office/drawing/2014/main" id="{D3E7C45C-3E9B-872A-49A8-EFA6FE482797}"/>
               </a:ext>
             </a:extLst>
           </p:cNvPr>
@@ -1987,7 +1987,7 @@
           <p:cNvPr id="5" name="灯片编号占位符 4">
             <a:extLst>
               <a:ext uri="{FF2B5EF4-FFF2-40B4-BE49-F238E27FC236}">
-                <a16:creationId xmlns:a16="http://schemas.microsoft.com/office/drawing/2014/main" id="{A390ACE0-957F-1DDE-009D-B410524A6751}"/>
+                <a16:creationId xmlns:a16="http://schemas.microsoft.com/office/drawing/2014/main" id="{F26854B6-3A29-561C-6654-77335088701F}"/>
               </a:ext>
             </a:extLst>
           </p:cNvPr>
@@ -2003,7 +2003,7 @@
           <a:bodyPr/>
           <a:lstStyle/>
           <a:p>
-            <a:fld id="{D49A45E6-CC26-433D-9A61-B4ABAD70BB3A}" type="slidenum">
+            <a:fld id="{09A6310A-6911-4F04-8244-7F40BF7F60A2}" type="slidenum">
               <a:rPr lang="zh-CN" altLang="en-US" smtClean="0"/>
               <a:t>‹#›</a:t>
             </a:fld>
@@ -2014,7 +2014,7 @@
     </p:spTree>
     <p:extLst>
       <p:ext uri="{BB962C8B-B14F-4D97-AF65-F5344CB8AC3E}">
-        <p14:creationId xmlns:p14="http://schemas.microsoft.com/office/powerpoint/2010/main" val="3797636586"/>
+        <p14:creationId xmlns:p14="http://schemas.microsoft.com/office/powerpoint/2010/main" val="3035840215"/>
       </p:ext>
     </p:extLst>
   </p:cSld>
@@ -2046,7 +2046,7 @@
           <p:cNvPr id="2" name="日期占位符 1">
             <a:extLst>
               <a:ext uri="{FF2B5EF4-FFF2-40B4-BE49-F238E27FC236}">
-                <a16:creationId xmlns:a16="http://schemas.microsoft.com/office/drawing/2014/main" id="{EB4483B4-2BA3-136A-3366-47119FFB4F48}"/>
+                <a16:creationId xmlns:a16="http://schemas.microsoft.com/office/drawing/2014/main" id="{785433D9-6249-3187-2DB3-B47685460080}"/>
               </a:ext>
             </a:extLst>
           </p:cNvPr>
@@ -2062,7 +2062,7 @@
           <a:bodyPr/>
           <a:lstStyle/>
           <a:p>
-            <a:fld id="{6EDD2EA1-0AF0-452D-A00F-33753780B086}" type="datetimeFigureOut">
+            <a:fld id="{BEEADCD4-D659-42B0-AB54-4253B34D8BD0}" type="datetimeFigureOut">
               <a:rPr lang="zh-CN" altLang="en-US" smtClean="0"/>
               <a:t>2024/3/10</a:t>
             </a:fld>
@@ -2075,7 +2075,7 @@
           <p:cNvPr id="3" name="页脚占位符 2">
             <a:extLst>
               <a:ext uri="{FF2B5EF4-FFF2-40B4-BE49-F238E27FC236}">
-                <a16:creationId xmlns:a16="http://schemas.microsoft.com/office/drawing/2014/main" id="{C5CDAD1F-1695-0707-8CDA-508AC8F8D655}"/>
+                <a16:creationId xmlns:a16="http://schemas.microsoft.com/office/drawing/2014/main" id="{8BAFB247-062E-E856-6825-67E485EC1309}"/>
               </a:ext>
             </a:extLst>
           </p:cNvPr>
@@ -2100,7 +2100,7 @@
           <p:cNvPr id="4" name="灯片编号占位符 3">
             <a:extLst>
               <a:ext uri="{FF2B5EF4-FFF2-40B4-BE49-F238E27FC236}">
-                <a16:creationId xmlns:a16="http://schemas.microsoft.com/office/drawing/2014/main" id="{C02823CF-1130-CA90-D923-E1CADA0E6F47}"/>
+                <a16:creationId xmlns:a16="http://schemas.microsoft.com/office/drawing/2014/main" id="{B54D1B0B-C358-2770-E95D-00134B19C1D4}"/>
               </a:ext>
             </a:extLst>
           </p:cNvPr>
@@ -2116,7 +2116,7 @@
           <a:bodyPr/>
           <a:lstStyle/>
           <a:p>
-            <a:fld id="{D49A45E6-CC26-433D-9A61-B4ABAD70BB3A}" type="slidenum">
+            <a:fld id="{09A6310A-6911-4F04-8244-7F40BF7F60A2}" type="slidenum">
               <a:rPr lang="zh-CN" altLang="en-US" smtClean="0"/>
               <a:t>‹#›</a:t>
             </a:fld>
@@ -2127,7 +2127,7 @@
     </p:spTree>
     <p:extLst>
       <p:ext uri="{BB962C8B-B14F-4D97-AF65-F5344CB8AC3E}">
-        <p14:creationId xmlns:p14="http://schemas.microsoft.com/office/powerpoint/2010/main" val="2300319696"/>
+        <p14:creationId xmlns:p14="http://schemas.microsoft.com/office/powerpoint/2010/main" val="655348713"/>
       </p:ext>
     </p:extLst>
   </p:cSld>
@@ -2159,7 +2159,7 @@
           <p:cNvPr id="2" name="标题 1">
             <a:extLst>
               <a:ext uri="{FF2B5EF4-FFF2-40B4-BE49-F238E27FC236}">
-                <a16:creationId xmlns:a16="http://schemas.microsoft.com/office/drawing/2014/main" id="{F9698B00-FA14-E2A4-2A64-F00A56571A71}"/>
+                <a16:creationId xmlns:a16="http://schemas.microsoft.com/office/drawing/2014/main" id="{3CDFFA58-6037-4A17-CCD7-35E3276B6B71}"/>
               </a:ext>
             </a:extLst>
           </p:cNvPr>
@@ -2196,7 +2196,7 @@
           <p:cNvPr id="3" name="内容占位符 2">
             <a:extLst>
               <a:ext uri="{FF2B5EF4-FFF2-40B4-BE49-F238E27FC236}">
-                <a16:creationId xmlns:a16="http://schemas.microsoft.com/office/drawing/2014/main" id="{1E29EFB0-F2EA-D02F-3409-BB60F9CF3D47}"/>
+                <a16:creationId xmlns:a16="http://schemas.microsoft.com/office/drawing/2014/main" id="{B155C0F3-F13A-6C12-B564-B2109E9D4C6C}"/>
               </a:ext>
             </a:extLst>
           </p:cNvPr>
@@ -2286,7 +2286,7 @@
           <p:cNvPr id="4" name="文本占位符 3">
             <a:extLst>
               <a:ext uri="{FF2B5EF4-FFF2-40B4-BE49-F238E27FC236}">
-                <a16:creationId xmlns:a16="http://schemas.microsoft.com/office/drawing/2014/main" id="{EF1EA2C8-C245-DD4F-3D03-96FA2DFCBCBE}"/>
+                <a16:creationId xmlns:a16="http://schemas.microsoft.com/office/drawing/2014/main" id="{B0588BB3-E513-A3F6-06E5-78E316951248}"/>
               </a:ext>
             </a:extLst>
           </p:cNvPr>
@@ -2357,7 +2357,7 @@
           <p:cNvPr id="5" name="日期占位符 4">
             <a:extLst>
               <a:ext uri="{FF2B5EF4-FFF2-40B4-BE49-F238E27FC236}">
-                <a16:creationId xmlns:a16="http://schemas.microsoft.com/office/drawing/2014/main" id="{2794BE5B-8724-308F-09B1-FE2443386ACB}"/>
+                <a16:creationId xmlns:a16="http://schemas.microsoft.com/office/drawing/2014/main" id="{B55DAB86-67FD-64C4-00A1-5BD0BD45244B}"/>
               </a:ext>
             </a:extLst>
           </p:cNvPr>
@@ -2373,7 +2373,7 @@
           <a:bodyPr/>
           <a:lstStyle/>
           <a:p>
-            <a:fld id="{6EDD2EA1-0AF0-452D-A00F-33753780B086}" type="datetimeFigureOut">
+            <a:fld id="{BEEADCD4-D659-42B0-AB54-4253B34D8BD0}" type="datetimeFigureOut">
               <a:rPr lang="zh-CN" altLang="en-US" smtClean="0"/>
               <a:t>2024/3/10</a:t>
             </a:fld>
@@ -2386,7 +2386,7 @@
           <p:cNvPr id="6" name="页脚占位符 5">
             <a:extLst>
               <a:ext uri="{FF2B5EF4-FFF2-40B4-BE49-F238E27FC236}">
-                <a16:creationId xmlns:a16="http://schemas.microsoft.com/office/drawing/2014/main" id="{87A4C7A2-931E-3BD1-C793-2DBE606B4B83}"/>
+                <a16:creationId xmlns:a16="http://schemas.microsoft.com/office/drawing/2014/main" id="{46E511A4-A517-ED73-1C9F-748D125B99E2}"/>
               </a:ext>
             </a:extLst>
           </p:cNvPr>
@@ -2411,7 +2411,7 @@
           <p:cNvPr id="7" name="灯片编号占位符 6">
             <a:extLst>
               <a:ext uri="{FF2B5EF4-FFF2-40B4-BE49-F238E27FC236}">
-                <a16:creationId xmlns:a16="http://schemas.microsoft.com/office/drawing/2014/main" id="{9790A17E-5DFF-F70A-7B1D-50B9D2A9D0A8}"/>
+                <a16:creationId xmlns:a16="http://schemas.microsoft.com/office/drawing/2014/main" id="{A50103D1-C475-8B6B-9F9A-BAECE874631F}"/>
               </a:ext>
             </a:extLst>
           </p:cNvPr>
@@ -2427,7 +2427,7 @@
           <a:bodyPr/>
           <a:lstStyle/>
           <a:p>
-            <a:fld id="{D49A45E6-CC26-433D-9A61-B4ABAD70BB3A}" type="slidenum">
+            <a:fld id="{09A6310A-6911-4F04-8244-7F40BF7F60A2}" type="slidenum">
               <a:rPr lang="zh-CN" altLang="en-US" smtClean="0"/>
               <a:t>‹#›</a:t>
             </a:fld>
@@ -2438,7 +2438,7 @@
     </p:spTree>
     <p:extLst>
       <p:ext uri="{BB962C8B-B14F-4D97-AF65-F5344CB8AC3E}">
-        <p14:creationId xmlns:p14="http://schemas.microsoft.com/office/powerpoint/2010/main" val="2640618049"/>
+        <p14:creationId xmlns:p14="http://schemas.microsoft.com/office/powerpoint/2010/main" val="4221863889"/>
       </p:ext>
     </p:extLst>
   </p:cSld>
@@ -2470,7 +2470,7 @@
           <p:cNvPr id="2" name="标题 1">
             <a:extLst>
               <a:ext uri="{FF2B5EF4-FFF2-40B4-BE49-F238E27FC236}">
-                <a16:creationId xmlns:a16="http://schemas.microsoft.com/office/drawing/2014/main" id="{2F472786-10DA-FBEC-D2FC-94B07019CECC}"/>
+                <a16:creationId xmlns:a16="http://schemas.microsoft.com/office/drawing/2014/main" id="{01B0EC83-9F62-87DF-BD82-A656E8B6B3EC}"/>
               </a:ext>
             </a:extLst>
           </p:cNvPr>
@@ -2507,7 +2507,7 @@
           <p:cNvPr id="3" name="图片占位符 2">
             <a:extLst>
               <a:ext uri="{FF2B5EF4-FFF2-40B4-BE49-F238E27FC236}">
-                <a16:creationId xmlns:a16="http://schemas.microsoft.com/office/drawing/2014/main" id="{83283ADB-52D0-445F-B604-6CAEF3CC94FB}"/>
+                <a16:creationId xmlns:a16="http://schemas.microsoft.com/office/drawing/2014/main" id="{4601AFA3-0386-2C83-936B-ED19502A5ACD}"/>
               </a:ext>
             </a:extLst>
           </p:cNvPr>
@@ -2574,7 +2574,7 @@
           <p:cNvPr id="4" name="文本占位符 3">
             <a:extLst>
               <a:ext uri="{FF2B5EF4-FFF2-40B4-BE49-F238E27FC236}">
-                <a16:creationId xmlns:a16="http://schemas.microsoft.com/office/drawing/2014/main" id="{C7BDC628-C0E5-5420-BEFD-02BB3202C601}"/>
+                <a16:creationId xmlns:a16="http://schemas.microsoft.com/office/drawing/2014/main" id="{7BB7D6A9-65F9-ABF1-3CDF-C83FDFBFDA40}"/>
               </a:ext>
             </a:extLst>
           </p:cNvPr>
@@ -2645,7 +2645,7 @@
           <p:cNvPr id="5" name="日期占位符 4">
             <a:extLst>
               <a:ext uri="{FF2B5EF4-FFF2-40B4-BE49-F238E27FC236}">
-                <a16:creationId xmlns:a16="http://schemas.microsoft.com/office/drawing/2014/main" id="{7BD91D27-A8CC-077E-AAA8-9EACB6B92CB9}"/>
+                <a16:creationId xmlns:a16="http://schemas.microsoft.com/office/drawing/2014/main" id="{098DC75A-AFDC-3990-ECCC-8B2115D1F2C8}"/>
               </a:ext>
             </a:extLst>
           </p:cNvPr>
@@ -2661,7 +2661,7 @@
           <a:bodyPr/>
           <a:lstStyle/>
           <a:p>
-            <a:fld id="{6EDD2EA1-0AF0-452D-A00F-33753780B086}" type="datetimeFigureOut">
+            <a:fld id="{BEEADCD4-D659-42B0-AB54-4253B34D8BD0}" type="datetimeFigureOut">
               <a:rPr lang="zh-CN" altLang="en-US" smtClean="0"/>
               <a:t>2024/3/10</a:t>
             </a:fld>
@@ -2674,7 +2674,7 @@
           <p:cNvPr id="6" name="页脚占位符 5">
             <a:extLst>
               <a:ext uri="{FF2B5EF4-FFF2-40B4-BE49-F238E27FC236}">
-                <a16:creationId xmlns:a16="http://schemas.microsoft.com/office/drawing/2014/main" id="{0D3D741B-5A3D-D2ED-822D-A714DADDDE30}"/>
+                <a16:creationId xmlns:a16="http://schemas.microsoft.com/office/drawing/2014/main" id="{3D611FEA-C0FD-6341-A6CE-66003658D032}"/>
               </a:ext>
             </a:extLst>
           </p:cNvPr>
@@ -2699,7 +2699,7 @@
           <p:cNvPr id="7" name="灯片编号占位符 6">
             <a:extLst>
               <a:ext uri="{FF2B5EF4-FFF2-40B4-BE49-F238E27FC236}">
-                <a16:creationId xmlns:a16="http://schemas.microsoft.com/office/drawing/2014/main" id="{7817C945-98DE-F62F-DCA6-7E5280DC67EF}"/>
+                <a16:creationId xmlns:a16="http://schemas.microsoft.com/office/drawing/2014/main" id="{E44D3FD4-1CD2-6B1D-931E-5F2320C9C053}"/>
               </a:ext>
             </a:extLst>
           </p:cNvPr>
@@ -2715,7 +2715,7 @@
           <a:bodyPr/>
           <a:lstStyle/>
           <a:p>
-            <a:fld id="{D49A45E6-CC26-433D-9A61-B4ABAD70BB3A}" type="slidenum">
+            <a:fld id="{09A6310A-6911-4F04-8244-7F40BF7F60A2}" type="slidenum">
               <a:rPr lang="zh-CN" altLang="en-US" smtClean="0"/>
               <a:t>‹#›</a:t>
             </a:fld>
@@ -2726,7 +2726,7 @@
     </p:spTree>
     <p:extLst>
       <p:ext uri="{BB962C8B-B14F-4D97-AF65-F5344CB8AC3E}">
-        <p14:creationId xmlns:p14="http://schemas.microsoft.com/office/powerpoint/2010/main" val="1025534241"/>
+        <p14:creationId xmlns:p14="http://schemas.microsoft.com/office/powerpoint/2010/main" val="986801915"/>
       </p:ext>
     </p:extLst>
   </p:cSld>
@@ -2763,7 +2763,7 @@
           <p:cNvPr id="2" name="标题占位符 1">
             <a:extLst>
               <a:ext uri="{FF2B5EF4-FFF2-40B4-BE49-F238E27FC236}">
-                <a16:creationId xmlns:a16="http://schemas.microsoft.com/office/drawing/2014/main" id="{34C255B8-72E7-52EE-D0DA-666B24A313D1}"/>
+                <a16:creationId xmlns:a16="http://schemas.microsoft.com/office/drawing/2014/main" id="{0CA41C69-C7EE-0583-1953-24148A2DA593}"/>
               </a:ext>
             </a:extLst>
           </p:cNvPr>
@@ -2801,7 +2801,7 @@
           <p:cNvPr id="3" name="文本占位符 2">
             <a:extLst>
               <a:ext uri="{FF2B5EF4-FFF2-40B4-BE49-F238E27FC236}">
-                <a16:creationId xmlns:a16="http://schemas.microsoft.com/office/drawing/2014/main" id="{AE011A7B-FF94-F054-AA97-C479112BD7D4}"/>
+                <a16:creationId xmlns:a16="http://schemas.microsoft.com/office/drawing/2014/main" id="{CA184AB9-8F7C-97FC-9FD3-B2DA107AC7F6}"/>
               </a:ext>
             </a:extLst>
           </p:cNvPr>
@@ -2868,7 +2868,7 @@
           <p:cNvPr id="4" name="日期占位符 3">
             <a:extLst>
               <a:ext uri="{FF2B5EF4-FFF2-40B4-BE49-F238E27FC236}">
-                <a16:creationId xmlns:a16="http://schemas.microsoft.com/office/drawing/2014/main" id="{22111665-DE89-5E8A-5F35-BBB8177066DB}"/>
+                <a16:creationId xmlns:a16="http://schemas.microsoft.com/office/drawing/2014/main" id="{F05CA9F7-1C93-F533-A7D2-301A6F54F25F}"/>
               </a:ext>
             </a:extLst>
           </p:cNvPr>
@@ -2902,7 +2902,7 @@
             </a:lvl1pPr>
           </a:lstStyle>
           <a:p>
-            <a:fld id="{6EDD2EA1-0AF0-452D-A00F-33753780B086}" type="datetimeFigureOut">
+            <a:fld id="{BEEADCD4-D659-42B0-AB54-4253B34D8BD0}" type="datetimeFigureOut">
               <a:rPr lang="zh-CN" altLang="en-US" smtClean="0"/>
               <a:t>2024/3/10</a:t>
             </a:fld>
@@ -2915,7 +2915,7 @@
           <p:cNvPr id="5" name="页脚占位符 4">
             <a:extLst>
               <a:ext uri="{FF2B5EF4-FFF2-40B4-BE49-F238E27FC236}">
-                <a16:creationId xmlns:a16="http://schemas.microsoft.com/office/drawing/2014/main" id="{25240115-B2C4-DB1F-C945-0E692AB42CC5}"/>
+                <a16:creationId xmlns:a16="http://schemas.microsoft.com/office/drawing/2014/main" id="{4D640C31-FA5E-19F4-345C-281CFF9C991D}"/>
               </a:ext>
             </a:extLst>
           </p:cNvPr>
@@ -2958,7 +2958,7 @@
           <p:cNvPr id="6" name="灯片编号占位符 5">
             <a:extLst>
               <a:ext uri="{FF2B5EF4-FFF2-40B4-BE49-F238E27FC236}">
-                <a16:creationId xmlns:a16="http://schemas.microsoft.com/office/drawing/2014/main" id="{B64776DC-45BF-3B06-3B45-F6F2540F9693}"/>
+                <a16:creationId xmlns:a16="http://schemas.microsoft.com/office/drawing/2014/main" id="{1AE58890-F808-A0F8-82EC-2464B70D64F8}"/>
               </a:ext>
             </a:extLst>
           </p:cNvPr>
@@ -2992,7 +2992,7 @@
             </a:lvl1pPr>
           </a:lstStyle>
           <a:p>
-            <a:fld id="{D49A45E6-CC26-433D-9A61-B4ABAD70BB3A}" type="slidenum">
+            <a:fld id="{09A6310A-6911-4F04-8244-7F40BF7F60A2}" type="slidenum">
               <a:rPr lang="zh-CN" altLang="en-US" smtClean="0"/>
               <a:t>‹#›</a:t>
             </a:fld>
@@ -3003,7 +3003,7 @@
     </p:spTree>
     <p:extLst>
       <p:ext uri="{BB962C8B-B14F-4D97-AF65-F5344CB8AC3E}">
-        <p14:creationId xmlns:p14="http://schemas.microsoft.com/office/powerpoint/2010/main" val="4256265784"/>
+        <p14:creationId xmlns:p14="http://schemas.microsoft.com/office/powerpoint/2010/main" val="3355190500"/>
       </p:ext>
     </p:extLst>
   </p:cSld>
